--- a/Documentation/PPP, Week 1, Meeting 2.pptx
+++ b/Documentation/PPP, Week 1, Meeting 2.pptx
@@ -203,7 +203,7 @@
           <a:p>
             <a:fld id="{1E47D41A-4042-B543-AE22-1ED09200DB20}" type="datetimeFigureOut">
               <a:rPr lang="en-GB" smtClean="0"/>
-              <a:t>09/01/2020</a:t>
+              <a:t>10/01/2020</a:t>
             </a:fld>
             <a:endParaRPr lang="en-GB"/>
           </a:p>
@@ -686,7 +686,7 @@
           <a:p>
             <a:fld id="{1CC4CA7E-E4E1-D74C-ACCE-7F4688DA46B0}" type="datetimeFigureOut">
               <a:rPr lang="en-GB" smtClean="0"/>
-              <a:t>09/01/2020</a:t>
+              <a:t>10/01/2020</a:t>
             </a:fld>
             <a:endParaRPr lang="en-GB"/>
           </a:p>
@@ -856,7 +856,7 @@
           <a:p>
             <a:fld id="{1CC4CA7E-E4E1-D74C-ACCE-7F4688DA46B0}" type="datetimeFigureOut">
               <a:rPr lang="en-GB" smtClean="0"/>
-              <a:t>09/01/2020</a:t>
+              <a:t>10/01/2020</a:t>
             </a:fld>
             <a:endParaRPr lang="en-GB"/>
           </a:p>
@@ -1036,7 +1036,7 @@
           <a:p>
             <a:fld id="{1CC4CA7E-E4E1-D74C-ACCE-7F4688DA46B0}" type="datetimeFigureOut">
               <a:rPr lang="en-GB" smtClean="0"/>
-              <a:t>09/01/2020</a:t>
+              <a:t>10/01/2020</a:t>
             </a:fld>
             <a:endParaRPr lang="en-GB"/>
           </a:p>
@@ -1206,7 +1206,7 @@
           <a:p>
             <a:fld id="{1CC4CA7E-E4E1-D74C-ACCE-7F4688DA46B0}" type="datetimeFigureOut">
               <a:rPr lang="en-GB" smtClean="0"/>
-              <a:t>09/01/2020</a:t>
+              <a:t>10/01/2020</a:t>
             </a:fld>
             <a:endParaRPr lang="en-GB"/>
           </a:p>
@@ -1452,7 +1452,7 @@
           <a:p>
             <a:fld id="{1CC4CA7E-E4E1-D74C-ACCE-7F4688DA46B0}" type="datetimeFigureOut">
               <a:rPr lang="en-GB" smtClean="0"/>
-              <a:t>09/01/2020</a:t>
+              <a:t>10/01/2020</a:t>
             </a:fld>
             <a:endParaRPr lang="en-GB"/>
           </a:p>
@@ -1684,7 +1684,7 @@
           <a:p>
             <a:fld id="{1CC4CA7E-E4E1-D74C-ACCE-7F4688DA46B0}" type="datetimeFigureOut">
               <a:rPr lang="en-GB" smtClean="0"/>
-              <a:t>09/01/2020</a:t>
+              <a:t>10/01/2020</a:t>
             </a:fld>
             <a:endParaRPr lang="en-GB"/>
           </a:p>
@@ -2051,7 +2051,7 @@
           <a:p>
             <a:fld id="{1CC4CA7E-E4E1-D74C-ACCE-7F4688DA46B0}" type="datetimeFigureOut">
               <a:rPr lang="en-GB" smtClean="0"/>
-              <a:t>09/01/2020</a:t>
+              <a:t>10/01/2020</a:t>
             </a:fld>
             <a:endParaRPr lang="en-GB"/>
           </a:p>
@@ -2169,7 +2169,7 @@
           <a:p>
             <a:fld id="{1CC4CA7E-E4E1-D74C-ACCE-7F4688DA46B0}" type="datetimeFigureOut">
               <a:rPr lang="en-GB" smtClean="0"/>
-              <a:t>09/01/2020</a:t>
+              <a:t>10/01/2020</a:t>
             </a:fld>
             <a:endParaRPr lang="en-GB"/>
           </a:p>
@@ -2264,7 +2264,7 @@
           <a:p>
             <a:fld id="{1CC4CA7E-E4E1-D74C-ACCE-7F4688DA46B0}" type="datetimeFigureOut">
               <a:rPr lang="en-GB" smtClean="0"/>
-              <a:t>09/01/2020</a:t>
+              <a:t>10/01/2020</a:t>
             </a:fld>
             <a:endParaRPr lang="en-GB"/>
           </a:p>
@@ -2541,7 +2541,7 @@
           <a:p>
             <a:fld id="{1CC4CA7E-E4E1-D74C-ACCE-7F4688DA46B0}" type="datetimeFigureOut">
               <a:rPr lang="en-GB" smtClean="0"/>
-              <a:t>09/01/2020</a:t>
+              <a:t>10/01/2020</a:t>
             </a:fld>
             <a:endParaRPr lang="en-GB"/>
           </a:p>
@@ -2798,7 +2798,7 @@
           <a:p>
             <a:fld id="{1CC4CA7E-E4E1-D74C-ACCE-7F4688DA46B0}" type="datetimeFigureOut">
               <a:rPr lang="en-GB" smtClean="0"/>
-              <a:t>09/01/2020</a:t>
+              <a:t>10/01/2020</a:t>
             </a:fld>
             <a:endParaRPr lang="en-GB"/>
           </a:p>
@@ -3011,7 +3011,7 @@
           <a:p>
             <a:fld id="{1CC4CA7E-E4E1-D74C-ACCE-7F4688DA46B0}" type="datetimeFigureOut">
               <a:rPr lang="en-GB" smtClean="0"/>
-              <a:t>09/01/2020</a:t>
+              <a:t>10/01/2020</a:t>
             </a:fld>
             <a:endParaRPr lang="en-GB"/>
           </a:p>
@@ -3583,7 +3583,7 @@
           <a:p>
             <a:r>
               <a:rPr lang="en-GB" dirty="0"/>
-              <a:t>Stability of proteins</a:t>
+              <a:t>Introduction: Stability of proteins</a:t>
             </a:r>
           </a:p>
         </p:txBody>
@@ -3982,7 +3982,15 @@
           <a:p>
             <a:r>
               <a:rPr lang="en-GB" dirty="0"/>
-              <a:t>State Space</a:t>
+              <a:t>State Space </a:t>
+            </a:r>
+            <a:r>
+              <a:rPr lang="en-GB" dirty="0" err="1"/>
+              <a:t>en</a:t>
+            </a:r>
+            <a:r>
+              <a:rPr lang="en-GB" dirty="0"/>
+              <a:t> upper/lower bounds</a:t>
             </a:r>
           </a:p>
         </p:txBody>
@@ -4016,6 +4024,17 @@
           <a:lstStyle/>
           <a:p>
             <a:r>
+              <a:rPr lang="en-GB" dirty="0" err="1">
+                <a:sym typeface="Wingdings" pitchFamily="2" charset="2"/>
+              </a:rPr>
+              <a:t>Statespace</a:t>
+            </a:r>
+            <a:endParaRPr lang="en-GB" dirty="0">
+              <a:sym typeface="Wingdings" pitchFamily="2" charset="2"/>
+            </a:endParaRPr>
+          </a:p>
+          <a:p>
+            <a:r>
               <a:rPr lang="en-GB" dirty="0">
                 <a:sym typeface="Wingdings" pitchFamily="2" charset="2"/>
               </a:rPr>
@@ -4054,6 +4073,265 @@
           </a:p>
           <a:p>
             <a:pPr lvl="1"/>
+            <a:endParaRPr lang="en-GB" baseline="30000" dirty="0">
+              <a:sym typeface="Wingdings" pitchFamily="2" charset="2"/>
+            </a:endParaRPr>
+          </a:p>
+          <a:p>
+            <a:pPr lvl="1"/>
+            <a:endParaRPr lang="en-GB" dirty="0">
+              <a:sym typeface="Wingdings" pitchFamily="2" charset="2"/>
+            </a:endParaRPr>
+          </a:p>
+          <a:p>
+            <a:pPr lvl="1"/>
+            <a:endParaRPr lang="en-GB" dirty="0">
+              <a:sym typeface="Wingdings" pitchFamily="2" charset="2"/>
+            </a:endParaRPr>
+          </a:p>
+          <a:p>
+            <a:pPr lvl="1"/>
+            <a:endParaRPr lang="en-GB" dirty="0"/>
+          </a:p>
+          <a:p>
+            <a:pPr lvl="1"/>
+            <a:endParaRPr lang="en-GB" dirty="0"/>
+          </a:p>
+        </p:txBody>
+      </p:sp>
+      <p:sp>
+        <p:nvSpPr>
+          <p:cNvPr id="6" name="Tijdelijke aanduiding voor inhoud 2">
+            <a:extLst>
+              <a:ext uri="{FF2B5EF4-FFF2-40B4-BE49-F238E27FC236}">
+                <a16:creationId xmlns:a16="http://schemas.microsoft.com/office/drawing/2014/main" id="{D8788999-0DBD-574E-AD4D-A4B9E0412762}"/>
+              </a:ext>
+            </a:extLst>
+          </p:cNvPr>
+          <p:cNvSpPr txBox="1">
+            <a:spLocks/>
+          </p:cNvSpPr>
+          <p:nvPr/>
+        </p:nvSpPr>
+        <p:spPr>
+          <a:xfrm>
+            <a:off x="5819775" y="1825625"/>
+            <a:ext cx="5181600" cy="4667250"/>
+          </a:xfrm>
+          <a:prstGeom prst="rect">
+            <a:avLst/>
+          </a:prstGeom>
+        </p:spPr>
+        <p:txBody>
+          <a:bodyPr vert="horz" lIns="91440" tIns="45720" rIns="91440" bIns="45720" rtlCol="0">
+            <a:normAutofit/>
+          </a:bodyPr>
+          <a:lstStyle>
+            <a:lvl1pPr marL="228600" indent="-228600" algn="l" defTabSz="914400" rtl="0" eaLnBrk="1" latinLnBrk="0" hangingPunct="1">
+              <a:lnSpc>
+                <a:spcPct val="90000"/>
+              </a:lnSpc>
+              <a:spcBef>
+                <a:spcPts val="1000"/>
+              </a:spcBef>
+              <a:buFont typeface="Arial" panose="020B0604020202020204" pitchFamily="34" charset="0"/>
+              <a:buChar char="•"/>
+              <a:defRPr sz="2800" kern="1200">
+                <a:solidFill>
+                  <a:schemeClr val="tx1"/>
+                </a:solidFill>
+                <a:latin typeface="+mn-lt"/>
+                <a:ea typeface="+mn-ea"/>
+                <a:cs typeface="+mn-cs"/>
+              </a:defRPr>
+            </a:lvl1pPr>
+            <a:lvl2pPr marL="685800" indent="-228600" algn="l" defTabSz="914400" rtl="0" eaLnBrk="1" latinLnBrk="0" hangingPunct="1">
+              <a:lnSpc>
+                <a:spcPct val="90000"/>
+              </a:lnSpc>
+              <a:spcBef>
+                <a:spcPts val="500"/>
+              </a:spcBef>
+              <a:buFont typeface="Arial" panose="020B0604020202020204" pitchFamily="34" charset="0"/>
+              <a:buChar char="•"/>
+              <a:defRPr sz="2400" kern="1200">
+                <a:solidFill>
+                  <a:schemeClr val="tx1"/>
+                </a:solidFill>
+                <a:latin typeface="+mn-lt"/>
+                <a:ea typeface="+mn-ea"/>
+                <a:cs typeface="+mn-cs"/>
+              </a:defRPr>
+            </a:lvl2pPr>
+            <a:lvl3pPr marL="1143000" indent="-228600" algn="l" defTabSz="914400" rtl="0" eaLnBrk="1" latinLnBrk="0" hangingPunct="1">
+              <a:lnSpc>
+                <a:spcPct val="90000"/>
+              </a:lnSpc>
+              <a:spcBef>
+                <a:spcPts val="500"/>
+              </a:spcBef>
+              <a:buFont typeface="Arial" panose="020B0604020202020204" pitchFamily="34" charset="0"/>
+              <a:buChar char="•"/>
+              <a:defRPr sz="2000" kern="1200">
+                <a:solidFill>
+                  <a:schemeClr val="tx1"/>
+                </a:solidFill>
+                <a:latin typeface="+mn-lt"/>
+                <a:ea typeface="+mn-ea"/>
+                <a:cs typeface="+mn-cs"/>
+              </a:defRPr>
+            </a:lvl3pPr>
+            <a:lvl4pPr marL="1600200" indent="-228600" algn="l" defTabSz="914400" rtl="0" eaLnBrk="1" latinLnBrk="0" hangingPunct="1">
+              <a:lnSpc>
+                <a:spcPct val="90000"/>
+              </a:lnSpc>
+              <a:spcBef>
+                <a:spcPts val="500"/>
+              </a:spcBef>
+              <a:buFont typeface="Arial" panose="020B0604020202020204" pitchFamily="34" charset="0"/>
+              <a:buChar char="•"/>
+              <a:defRPr sz="1800" kern="1200">
+                <a:solidFill>
+                  <a:schemeClr val="tx1"/>
+                </a:solidFill>
+                <a:latin typeface="+mn-lt"/>
+                <a:ea typeface="+mn-ea"/>
+                <a:cs typeface="+mn-cs"/>
+              </a:defRPr>
+            </a:lvl4pPr>
+            <a:lvl5pPr marL="2057400" indent="-228600" algn="l" defTabSz="914400" rtl="0" eaLnBrk="1" latinLnBrk="0" hangingPunct="1">
+              <a:lnSpc>
+                <a:spcPct val="90000"/>
+              </a:lnSpc>
+              <a:spcBef>
+                <a:spcPts val="500"/>
+              </a:spcBef>
+              <a:buFont typeface="Arial" panose="020B0604020202020204" pitchFamily="34" charset="0"/>
+              <a:buChar char="•"/>
+              <a:defRPr sz="1800" kern="1200">
+                <a:solidFill>
+                  <a:schemeClr val="tx1"/>
+                </a:solidFill>
+                <a:latin typeface="+mn-lt"/>
+                <a:ea typeface="+mn-ea"/>
+                <a:cs typeface="+mn-cs"/>
+              </a:defRPr>
+            </a:lvl5pPr>
+            <a:lvl6pPr marL="2514600" indent="-228600" algn="l" defTabSz="914400" rtl="0" eaLnBrk="1" latinLnBrk="0" hangingPunct="1">
+              <a:lnSpc>
+                <a:spcPct val="90000"/>
+              </a:lnSpc>
+              <a:spcBef>
+                <a:spcPts val="500"/>
+              </a:spcBef>
+              <a:buFont typeface="Arial" panose="020B0604020202020204" pitchFamily="34" charset="0"/>
+              <a:buChar char="•"/>
+              <a:defRPr sz="1800" kern="1200">
+                <a:solidFill>
+                  <a:schemeClr val="tx1"/>
+                </a:solidFill>
+                <a:latin typeface="+mn-lt"/>
+                <a:ea typeface="+mn-ea"/>
+                <a:cs typeface="+mn-cs"/>
+              </a:defRPr>
+            </a:lvl6pPr>
+            <a:lvl7pPr marL="2971800" indent="-228600" algn="l" defTabSz="914400" rtl="0" eaLnBrk="1" latinLnBrk="0" hangingPunct="1">
+              <a:lnSpc>
+                <a:spcPct val="90000"/>
+              </a:lnSpc>
+              <a:spcBef>
+                <a:spcPts val="500"/>
+              </a:spcBef>
+              <a:buFont typeface="Arial" panose="020B0604020202020204" pitchFamily="34" charset="0"/>
+              <a:buChar char="•"/>
+              <a:defRPr sz="1800" kern="1200">
+                <a:solidFill>
+                  <a:schemeClr val="tx1"/>
+                </a:solidFill>
+                <a:latin typeface="+mn-lt"/>
+                <a:ea typeface="+mn-ea"/>
+                <a:cs typeface="+mn-cs"/>
+              </a:defRPr>
+            </a:lvl7pPr>
+            <a:lvl8pPr marL="3429000" indent="-228600" algn="l" defTabSz="914400" rtl="0" eaLnBrk="1" latinLnBrk="0" hangingPunct="1">
+              <a:lnSpc>
+                <a:spcPct val="90000"/>
+              </a:lnSpc>
+              <a:spcBef>
+                <a:spcPts val="500"/>
+              </a:spcBef>
+              <a:buFont typeface="Arial" panose="020B0604020202020204" pitchFamily="34" charset="0"/>
+              <a:buChar char="•"/>
+              <a:defRPr sz="1800" kern="1200">
+                <a:solidFill>
+                  <a:schemeClr val="tx1"/>
+                </a:solidFill>
+                <a:latin typeface="+mn-lt"/>
+                <a:ea typeface="+mn-ea"/>
+                <a:cs typeface="+mn-cs"/>
+              </a:defRPr>
+            </a:lvl8pPr>
+            <a:lvl9pPr marL="3886200" indent="-228600" algn="l" defTabSz="914400" rtl="0" eaLnBrk="1" latinLnBrk="0" hangingPunct="1">
+              <a:lnSpc>
+                <a:spcPct val="90000"/>
+              </a:lnSpc>
+              <a:spcBef>
+                <a:spcPts val="500"/>
+              </a:spcBef>
+              <a:buFont typeface="Arial" panose="020B0604020202020204" pitchFamily="34" charset="0"/>
+              <a:buChar char="•"/>
+              <a:defRPr sz="1800" kern="1200">
+                <a:solidFill>
+                  <a:schemeClr val="tx1"/>
+                </a:solidFill>
+                <a:latin typeface="+mn-lt"/>
+                <a:ea typeface="+mn-ea"/>
+                <a:cs typeface="+mn-cs"/>
+              </a:defRPr>
+            </a:lvl9pPr>
+          </a:lstStyle>
+          <a:p>
+            <a:r>
+              <a:rPr lang="en-GB" dirty="0" err="1"/>
+              <a:t>Upperbound</a:t>
+            </a:r>
+            <a:r>
+              <a:rPr lang="en-GB" dirty="0"/>
+              <a:t>: 3x</a:t>
+            </a:r>
+            <a:endParaRPr lang="en-GB" baseline="30000" dirty="0"/>
+          </a:p>
+          <a:p>
+            <a:r>
+              <a:rPr lang="en-GB" dirty="0"/>
+              <a:t>Met x is </a:t>
+            </a:r>
+            <a:r>
+              <a:rPr lang="en-GB" dirty="0" err="1"/>
+              <a:t>aantal</a:t>
+            </a:r>
+            <a:r>
+              <a:rPr lang="en-GB" dirty="0"/>
+              <a:t> H-elements</a:t>
+            </a:r>
+          </a:p>
+          <a:p>
+            <a:endParaRPr lang="en-GB" dirty="0"/>
+          </a:p>
+          <a:p>
+            <a:r>
+              <a:rPr lang="en-GB" dirty="0" err="1"/>
+              <a:t>Lowerbound</a:t>
+            </a:r>
+            <a:r>
+              <a:rPr lang="en-GB" dirty="0"/>
+              <a:t>: &gt;0</a:t>
+            </a:r>
+          </a:p>
+          <a:p>
+            <a:pPr marL="457200" lvl="1" indent="0">
+              <a:buNone/>
+            </a:pPr>
             <a:endParaRPr lang="en-GB" dirty="0">
               <a:sym typeface="Wingdings" pitchFamily="2" charset="2"/>
             </a:endParaRPr>
@@ -4121,7 +4399,7 @@
           <a:p>
             <a:r>
               <a:rPr lang="en-GB" dirty="0"/>
-              <a:t>Possible algorithms</a:t>
+              <a:t>Method: Possible algorithms</a:t>
             </a:r>
           </a:p>
         </p:txBody>
@@ -4142,14 +4420,14 @@
             <p:ph sz="half" idx="1"/>
             <p:extLst>
               <p:ext uri="{D42A27DB-BD31-4B8C-83A1-F6EECF244321}">
-                <p14:modId xmlns:p14="http://schemas.microsoft.com/office/powerpoint/2010/main" val="582414484"/>
+                <p14:modId xmlns:p14="http://schemas.microsoft.com/office/powerpoint/2010/main" val="3472071940"/>
               </p:ext>
             </p:extLst>
           </p:nvPr>
         </p:nvGraphicFramePr>
         <p:xfrm>
-          <a:off x="838200" y="1825625"/>
-          <a:ext cx="7379210" cy="1752600"/>
+          <a:off x="838199" y="1825624"/>
+          <a:ext cx="10515600" cy="4346576"/>
         </p:xfrm>
         <a:graphic>
           <a:graphicData uri="http://schemas.openxmlformats.org/drawingml/2006/table">
@@ -4158,43 +4436,50 @@
                 <a:tableStyleId>{5C22544A-7EE6-4342-B048-85BDC9FD1C3A}</a:tableStyleId>
               </a:tblPr>
               <a:tblGrid>
-                <a:gridCol w="1475842">
+                <a:gridCol w="1752600">
                   <a:extLst>
                     <a:ext uri="{9D8B030D-6E8A-4147-A177-3AD203B41FA5}">
                       <a16:colId xmlns:a16="http://schemas.microsoft.com/office/drawing/2014/main" val="3498264961"/>
                     </a:ext>
                   </a:extLst>
                 </a:gridCol>
-                <a:gridCol w="1475842">
+                <a:gridCol w="1752600">
                   <a:extLst>
                     <a:ext uri="{9D8B030D-6E8A-4147-A177-3AD203B41FA5}">
                       <a16:colId xmlns:a16="http://schemas.microsoft.com/office/drawing/2014/main" val="4197057412"/>
                     </a:ext>
                   </a:extLst>
                 </a:gridCol>
-                <a:gridCol w="1475842">
+                <a:gridCol w="1752600">
                   <a:extLst>
                     <a:ext uri="{9D8B030D-6E8A-4147-A177-3AD203B41FA5}">
                       <a16:colId xmlns:a16="http://schemas.microsoft.com/office/drawing/2014/main" val="3755094875"/>
                     </a:ext>
                   </a:extLst>
                 </a:gridCol>
-                <a:gridCol w="1475842">
+                <a:gridCol w="1752600">
                   <a:extLst>
                     <a:ext uri="{9D8B030D-6E8A-4147-A177-3AD203B41FA5}">
                       <a16:colId xmlns:a16="http://schemas.microsoft.com/office/drawing/2014/main" val="3007925308"/>
                     </a:ext>
                   </a:extLst>
                 </a:gridCol>
-                <a:gridCol w="1475842">
+                <a:gridCol w="1752600">
                   <a:extLst>
                     <a:ext uri="{9D8B030D-6E8A-4147-A177-3AD203B41FA5}">
                       <a16:colId xmlns:a16="http://schemas.microsoft.com/office/drawing/2014/main" val="804067653"/>
                     </a:ext>
                   </a:extLst>
                 </a:gridCol>
+                <a:gridCol w="1752600">
+                  <a:extLst>
+                    <a:ext uri="{9D8B030D-6E8A-4147-A177-3AD203B41FA5}">
+                      <a16:colId xmlns:a16="http://schemas.microsoft.com/office/drawing/2014/main" val="4294553547"/>
+                    </a:ext>
+                  </a:extLst>
+                </a:gridCol>
               </a:tblGrid>
-              <a:tr h="370840">
+              <a:tr h="1310212">
                 <a:tc>
                   <a:txBody>
                     <a:bodyPr/>
@@ -4301,13 +4586,26 @@
                   </a:txBody>
                   <a:tcPr/>
                 </a:tc>
+                <a:tc>
+                  <a:txBody>
+                    <a:bodyPr/>
+                    <a:lstStyle/>
+                    <a:p>
+                      <a:r>
+                        <a:rPr lang="en-GB" dirty="0"/>
+                        <a:t>Average with 100 attempts</a:t>
+                      </a:r>
+                    </a:p>
+                  </a:txBody>
+                  <a:tcPr/>
+                </a:tc>
                 <a:extLst>
                   <a:ext uri="{0D108BD9-81ED-4DB2-BD59-A6C34878D82A}">
                     <a16:rowId xmlns:a16="http://schemas.microsoft.com/office/drawing/2014/main" val="2410651011"/>
                   </a:ext>
                 </a:extLst>
               </a:tr>
-              <a:tr h="370840">
+              <a:tr h="759091">
                 <a:tc>
                   <a:txBody>
                     <a:bodyPr/>
@@ -4373,13 +4671,26 @@
                   </a:txBody>
                   <a:tcPr/>
                 </a:tc>
+                <a:tc>
+                  <a:txBody>
+                    <a:bodyPr/>
+                    <a:lstStyle/>
+                    <a:p>
+                      <a:r>
+                        <a:rPr lang="en-GB" dirty="0"/>
+                        <a:t>-</a:t>
+                      </a:r>
+                    </a:p>
+                  </a:txBody>
+                  <a:tcPr/>
+                </a:tc>
                 <a:extLst>
                   <a:ext uri="{0D108BD9-81ED-4DB2-BD59-A6C34878D82A}">
                     <a16:rowId xmlns:a16="http://schemas.microsoft.com/office/drawing/2014/main" val="1634554122"/>
                   </a:ext>
                 </a:extLst>
               </a:tr>
-              <a:tr h="370840">
+              <a:tr h="759091">
                 <a:tc>
                   <a:txBody>
                     <a:bodyPr/>
@@ -4445,13 +4756,26 @@
                   </a:txBody>
                   <a:tcPr/>
                 </a:tc>
+                <a:tc>
+                  <a:txBody>
+                    <a:bodyPr/>
+                    <a:lstStyle/>
+                    <a:p>
+                      <a:r>
+                        <a:rPr lang="en-GB" dirty="0"/>
+                        <a:t>-</a:t>
+                      </a:r>
+                    </a:p>
+                  </a:txBody>
+                  <a:tcPr/>
+                </a:tc>
                 <a:extLst>
                   <a:ext uri="{0D108BD9-81ED-4DB2-BD59-A6C34878D82A}">
                     <a16:rowId xmlns:a16="http://schemas.microsoft.com/office/drawing/2014/main" val="2093889383"/>
                   </a:ext>
                 </a:extLst>
               </a:tr>
-              <a:tr h="370840">
+              <a:tr h="759091">
                 <a:tc>
                   <a:txBody>
                     <a:bodyPr/>
@@ -4510,7 +4834,23 @@
                     <a:bodyPr/>
                     <a:lstStyle/>
                     <a:p>
-                      <a:endParaRPr lang="en-GB" dirty="0"/>
+                      <a:r>
+                        <a:rPr lang="en-GB" dirty="0"/>
+                        <a:t>n</a:t>
+                      </a:r>
+                    </a:p>
+                  </a:txBody>
+                  <a:tcPr/>
+                </a:tc>
+                <a:tc>
+                  <a:txBody>
+                    <a:bodyPr/>
+                    <a:lstStyle/>
+                    <a:p>
+                      <a:r>
+                        <a:rPr lang="en-GB" dirty="0"/>
+                        <a:t>-</a:t>
+                      </a:r>
                     </a:p>
                   </a:txBody>
                   <a:tcPr/>
@@ -4518,6 +4858,91 @@
                 <a:extLst>
                   <a:ext uri="{0D108BD9-81ED-4DB2-BD59-A6C34878D82A}">
                     <a16:rowId xmlns:a16="http://schemas.microsoft.com/office/drawing/2014/main" val="2023286041"/>
+                  </a:ext>
+                </a:extLst>
+              </a:tr>
+              <a:tr h="759091">
+                <a:tc>
+                  <a:txBody>
+                    <a:bodyPr/>
+                    <a:lstStyle/>
+                    <a:p>
+                      <a:r>
+                        <a:rPr lang="en-GB" dirty="0"/>
+                        <a:t>Future </a:t>
+                      </a:r>
+                    </a:p>
+                  </a:txBody>
+                  <a:tcPr/>
+                </a:tc>
+                <a:tc>
+                  <a:txBody>
+                    <a:bodyPr/>
+                    <a:lstStyle/>
+                    <a:p>
+                      <a:r>
+                        <a:rPr lang="en-GB" dirty="0"/>
+                        <a:t>-</a:t>
+                      </a:r>
+                    </a:p>
+                  </a:txBody>
+                  <a:tcPr/>
+                </a:tc>
+                <a:tc>
+                  <a:txBody>
+                    <a:bodyPr/>
+                    <a:lstStyle/>
+                    <a:p>
+                      <a:r>
+                        <a:rPr lang="en-GB" dirty="0"/>
+                        <a:t>-</a:t>
+                      </a:r>
+                    </a:p>
+                  </a:txBody>
+                  <a:tcPr/>
+                </a:tc>
+                <a:tc>
+                  <a:txBody>
+                    <a:bodyPr/>
+                    <a:lstStyle/>
+                    <a:p>
+                      <a:r>
+                        <a:rPr lang="en-GB" dirty="0"/>
+                        <a:t>-</a:t>
+                      </a:r>
+                    </a:p>
+                  </a:txBody>
+                  <a:tcPr/>
+                </a:tc>
+                <a:tc>
+                  <a:txBody>
+                    <a:bodyPr/>
+                    <a:lstStyle/>
+                    <a:p>
+                      <a:r>
+                        <a:rPr lang="en-GB" dirty="0"/>
+                        <a:t>-</a:t>
+                      </a:r>
+                    </a:p>
+                  </a:txBody>
+                  <a:tcPr/>
+                </a:tc>
+                <a:tc>
+                  <a:txBody>
+                    <a:bodyPr/>
+                    <a:lstStyle/>
+                    <a:p>
+                      <a:r>
+                        <a:rPr lang="en-GB" dirty="0"/>
+                        <a:t>-</a:t>
+                      </a:r>
+                    </a:p>
+                  </a:txBody>
+                  <a:tcPr/>
+                </a:tc>
+                <a:extLst>
+                  <a:ext uri="{0D108BD9-81ED-4DB2-BD59-A6C34878D82A}">
+                    <a16:rowId xmlns:a16="http://schemas.microsoft.com/office/drawing/2014/main" val="207538214"/>
                   </a:ext>
                 </a:extLst>
               </a:tr>

--- a/Documentation/PPP, Week 1, Meeting 2.pptx
+++ b/Documentation/PPP, Week 1, Meeting 2.pptx
@@ -3748,7 +3748,14 @@
           <a:p>
             <a:r>
               <a:rPr lang="en-GB" dirty="0"/>
-              <a:t>Dictionaries	</a:t>
+              <a:t>Dictionaries</a:t>
+            </a:r>
+          </a:p>
+          <a:p>
+            <a:pPr lvl="1"/>
+            <a:r>
+              <a:rPr lang="en-GB" dirty="0"/>
+              <a:t>Use dictionaries to store elements with coordinates. Bind them with a direction variable</a:t>
             </a:r>
           </a:p>
         </p:txBody>
@@ -3777,6 +3784,13 @@
             <a:r>
               <a:rPr lang="en-GB" dirty="0"/>
               <a:t>Matrixes</a:t>
+            </a:r>
+          </a:p>
+          <a:p>
+            <a:pPr lvl="1"/>
+            <a:r>
+              <a:rPr lang="en-GB" dirty="0"/>
+              <a:t>Use of a matrix object to store elements.</a:t>
             </a:r>
           </a:p>
         </p:txBody>
@@ -3894,6 +3908,20 @@
             </a:r>
           </a:p>
           <a:p>
+            <a:pPr lvl="1"/>
+            <a:r>
+              <a:rPr lang="en-GB" dirty="0"/>
+              <a:t>Optimization</a:t>
+            </a:r>
+          </a:p>
+          <a:p>
+            <a:pPr lvl="2"/>
+            <a:r>
+              <a:rPr lang="en-GB" dirty="0"/>
+              <a:t>Legitimate solution with the highest </a:t>
+            </a:r>
+          </a:p>
+          <a:p>
             <a:endParaRPr lang="en-GB" dirty="0"/>
           </a:p>
           <a:p>
@@ -3925,7 +3953,7 @@
           <a:bodyPr/>
           <a:lstStyle/>
           <a:p>
-            <a:endParaRPr lang="en-GB"/>
+            <a:endParaRPr lang="en-GB" dirty="0"/>
           </a:p>
         </p:txBody>
       </p:sp>
@@ -4070,6 +4098,33 @@
               </a:rPr>
               <a:t>n</a:t>
             </a:r>
+          </a:p>
+          <a:p>
+            <a:pPr lvl="1"/>
+            <a:r>
+              <a:rPr lang="en-GB" dirty="0">
+                <a:sym typeface="Wingdings" pitchFamily="2" charset="2"/>
+              </a:rPr>
+              <a:t> 3</a:t>
+            </a:r>
+            <a:r>
+              <a:rPr lang="en-GB" baseline="30000" dirty="0">
+                <a:sym typeface="Wingdings" pitchFamily="2" charset="2"/>
+              </a:rPr>
+              <a:t>n-2</a:t>
+            </a:r>
+          </a:p>
+          <a:p>
+            <a:pPr lvl="1"/>
+            <a:endParaRPr lang="en-GB" baseline="30000" dirty="0">
+              <a:sym typeface="Wingdings" pitchFamily="2" charset="2"/>
+            </a:endParaRPr>
+          </a:p>
+          <a:p>
+            <a:pPr lvl="1"/>
+            <a:endParaRPr lang="en-GB" dirty="0">
+              <a:sym typeface="Wingdings" pitchFamily="2" charset="2"/>
+            </a:endParaRPr>
           </a:p>
           <a:p>
             <a:pPr lvl="1"/>
@@ -4325,7 +4380,7 @@
             </a:r>
             <a:r>
               <a:rPr lang="en-GB" dirty="0"/>
-              <a:t>: &gt;0</a:t>
+              <a:t>: &gt; 0</a:t>
             </a:r>
           </a:p>
           <a:p>
